--- a/Project Proposal/Bank_Marketing_Analysis_F.pptx
+++ b/Project Proposal/Bank_Marketing_Analysis_F.pptx
@@ -11,6 +11,9 @@
     <p:sldId id="259" r:id="rId5"/>
     <p:sldId id="261" r:id="rId6"/>
     <p:sldId id="260" r:id="rId7"/>
+    <p:sldId id="262" r:id="rId8"/>
+    <p:sldId id="263" r:id="rId9"/>
+    <p:sldId id="264" r:id="rId10"/>
   </p:sldIdLst>
   <p:sldSz cx="9144000" cy="6858000" type="screen4x3"/>
   <p:notesSz cx="6858000" cy="9144000"/>
@@ -16858,6 +16861,1312 @@
 </p:sld>
 </file>
 
+<file path=ppt/slides/slide7.xml><?xml version="1.0" encoding="utf-8"?>
+<p:sld xmlns:a="http://schemas.openxmlformats.org/drawingml/2006/main" xmlns:r="http://schemas.openxmlformats.org/officeDocument/2006/relationships" xmlns:p="http://schemas.openxmlformats.org/presentationml/2006/main">
+  <p:cSld>
+    <p:spTree>
+      <p:nvGrpSpPr>
+        <p:cNvPr id="1" name=""/>
+        <p:cNvGrpSpPr/>
+        <p:nvPr/>
+      </p:nvGrpSpPr>
+      <p:grpSpPr>
+        <a:xfrm>
+          <a:off x="0" y="0"/>
+          <a:ext cx="0" cy="0"/>
+          <a:chOff x="0" y="0"/>
+          <a:chExt cx="0" cy="0"/>
+        </a:xfrm>
+      </p:grpSpPr>
+      <p:sp>
+        <p:nvSpPr>
+          <p:cNvPr id="2" name="Title 1">
+            <a:extLst>
+              <a:ext uri="{FF2B5EF4-FFF2-40B4-BE49-F238E27FC236}">
+                <a16:creationId xmlns:a16="http://schemas.microsoft.com/office/drawing/2014/main" id="{B7D5C22A-1F28-EBCB-4E23-4788F6185C9F}"/>
+              </a:ext>
+            </a:extLst>
+          </p:cNvPr>
+          <p:cNvSpPr>
+            <a:spLocks noGrp="1"/>
+          </p:cNvSpPr>
+          <p:nvPr>
+            <p:ph type="title"/>
+          </p:nvPr>
+        </p:nvSpPr>
+        <p:spPr/>
+        <p:txBody>
+          <a:bodyPr/>
+          <a:lstStyle/>
+          <a:p>
+            <a:r>
+              <a:rPr lang="en-US" dirty="0"/>
+              <a:t>Based on Visualization</a:t>
+            </a:r>
+          </a:p>
+        </p:txBody>
+      </p:sp>
+      <p:graphicFrame>
+        <p:nvGraphicFramePr>
+          <p:cNvPr id="8" name="Content Placeholder 7">
+            <a:extLst>
+              <a:ext uri="{FF2B5EF4-FFF2-40B4-BE49-F238E27FC236}">
+                <a16:creationId xmlns:a16="http://schemas.microsoft.com/office/drawing/2014/main" id="{08003362-5FB4-E841-7292-E6E931FB834F}"/>
+              </a:ext>
+            </a:extLst>
+          </p:cNvPr>
+          <p:cNvGraphicFramePr>
+            <a:graphicFrameLocks noGrp="1"/>
+          </p:cNvGraphicFramePr>
+          <p:nvPr>
+            <p:ph idx="1"/>
+            <p:extLst>
+              <p:ext uri="{D42A27DB-BD31-4B8C-83A1-F6EECF244321}">
+                <p14:modId xmlns:p14="http://schemas.microsoft.com/office/powerpoint/2010/main" val="3146766923"/>
+              </p:ext>
+            </p:extLst>
+          </p:nvPr>
+        </p:nvGraphicFramePr>
+        <p:xfrm>
+          <a:off x="484711" y="2484407"/>
+          <a:ext cx="7882914" cy="2809112"/>
+        </p:xfrm>
+        <a:graphic>
+          <a:graphicData uri="http://schemas.openxmlformats.org/drawingml/2006/table">
+            <a:tbl>
+              <a:tblPr/>
+              <a:tblGrid>
+                <a:gridCol w="1313819">
+                  <a:extLst>
+                    <a:ext uri="{9D8B030D-6E8A-4147-A177-3AD203B41FA5}">
+                      <a16:colId xmlns:a16="http://schemas.microsoft.com/office/drawing/2014/main" val="2920477765"/>
+                    </a:ext>
+                  </a:extLst>
+                </a:gridCol>
+                <a:gridCol w="1313819">
+                  <a:extLst>
+                    <a:ext uri="{9D8B030D-6E8A-4147-A177-3AD203B41FA5}">
+                      <a16:colId xmlns:a16="http://schemas.microsoft.com/office/drawing/2014/main" val="1173104971"/>
+                    </a:ext>
+                  </a:extLst>
+                </a:gridCol>
+                <a:gridCol w="1313819">
+                  <a:extLst>
+                    <a:ext uri="{9D8B030D-6E8A-4147-A177-3AD203B41FA5}">
+                      <a16:colId xmlns:a16="http://schemas.microsoft.com/office/drawing/2014/main" val="2663416141"/>
+                    </a:ext>
+                  </a:extLst>
+                </a:gridCol>
+                <a:gridCol w="1313819">
+                  <a:extLst>
+                    <a:ext uri="{9D8B030D-6E8A-4147-A177-3AD203B41FA5}">
+                      <a16:colId xmlns:a16="http://schemas.microsoft.com/office/drawing/2014/main" val="3573993804"/>
+                    </a:ext>
+                  </a:extLst>
+                </a:gridCol>
+                <a:gridCol w="1313819">
+                  <a:extLst>
+                    <a:ext uri="{9D8B030D-6E8A-4147-A177-3AD203B41FA5}">
+                      <a16:colId xmlns:a16="http://schemas.microsoft.com/office/drawing/2014/main" val="744462495"/>
+                    </a:ext>
+                  </a:extLst>
+                </a:gridCol>
+                <a:gridCol w="1313819">
+                  <a:extLst>
+                    <a:ext uri="{9D8B030D-6E8A-4147-A177-3AD203B41FA5}">
+                      <a16:colId xmlns:a16="http://schemas.microsoft.com/office/drawing/2014/main" val="1442145962"/>
+                    </a:ext>
+                  </a:extLst>
+                </a:gridCol>
+              </a:tblGrid>
+              <a:tr h="702278">
+                <a:tc>
+                  <a:txBody>
+                    <a:bodyPr/>
+                    <a:lstStyle/>
+                    <a:p>
+                      <a:r>
+                        <a:rPr lang="en-US"/>
+                        <a:t>Model</a:t>
+                      </a:r>
+                    </a:p>
+                  </a:txBody>
+                  <a:tcPr anchor="ctr">
+                    <a:lnL>
+                      <a:noFill/>
+                    </a:lnL>
+                    <a:lnR>
+                      <a:noFill/>
+                    </a:lnR>
+                    <a:lnT>
+                      <a:noFill/>
+                    </a:lnT>
+                    <a:lnB>
+                      <a:noFill/>
+                    </a:lnB>
+                    <a:noFill/>
+                  </a:tcPr>
+                </a:tc>
+                <a:tc>
+                  <a:txBody>
+                    <a:bodyPr/>
+                    <a:lstStyle/>
+                    <a:p>
+                      <a:r>
+                        <a:rPr lang="en-US"/>
+                        <a:t>Accuracy</a:t>
+                      </a:r>
+                    </a:p>
+                  </a:txBody>
+                  <a:tcPr anchor="ctr">
+                    <a:lnL>
+                      <a:noFill/>
+                    </a:lnL>
+                    <a:lnR>
+                      <a:noFill/>
+                    </a:lnR>
+                    <a:lnT>
+                      <a:noFill/>
+                    </a:lnT>
+                    <a:lnB>
+                      <a:noFill/>
+                    </a:lnB>
+                    <a:noFill/>
+                  </a:tcPr>
+                </a:tc>
+                <a:tc>
+                  <a:txBody>
+                    <a:bodyPr/>
+                    <a:lstStyle/>
+                    <a:p>
+                      <a:r>
+                        <a:rPr lang="en-US"/>
+                        <a:t>Precision</a:t>
+                      </a:r>
+                    </a:p>
+                  </a:txBody>
+                  <a:tcPr anchor="ctr">
+                    <a:lnL>
+                      <a:noFill/>
+                    </a:lnL>
+                    <a:lnR>
+                      <a:noFill/>
+                    </a:lnR>
+                    <a:lnT>
+                      <a:noFill/>
+                    </a:lnT>
+                    <a:lnB>
+                      <a:noFill/>
+                    </a:lnB>
+                    <a:noFill/>
+                  </a:tcPr>
+                </a:tc>
+                <a:tc>
+                  <a:txBody>
+                    <a:bodyPr/>
+                    <a:lstStyle/>
+                    <a:p>
+                      <a:r>
+                        <a:rPr lang="en-US"/>
+                        <a:t>Recall</a:t>
+                      </a:r>
+                    </a:p>
+                  </a:txBody>
+                  <a:tcPr anchor="ctr">
+                    <a:lnL>
+                      <a:noFill/>
+                    </a:lnL>
+                    <a:lnR>
+                      <a:noFill/>
+                    </a:lnR>
+                    <a:lnT>
+                      <a:noFill/>
+                    </a:lnT>
+                    <a:lnB>
+                      <a:noFill/>
+                    </a:lnB>
+                    <a:noFill/>
+                  </a:tcPr>
+                </a:tc>
+                <a:tc>
+                  <a:txBody>
+                    <a:bodyPr/>
+                    <a:lstStyle/>
+                    <a:p>
+                      <a:r>
+                        <a:rPr lang="en-US"/>
+                        <a:t>F1-Score</a:t>
+                      </a:r>
+                    </a:p>
+                  </a:txBody>
+                  <a:tcPr anchor="ctr">
+                    <a:lnL>
+                      <a:noFill/>
+                    </a:lnL>
+                    <a:lnR>
+                      <a:noFill/>
+                    </a:lnR>
+                    <a:lnT>
+                      <a:noFill/>
+                    </a:lnT>
+                    <a:lnB>
+                      <a:noFill/>
+                    </a:lnB>
+                    <a:noFill/>
+                  </a:tcPr>
+                </a:tc>
+                <a:tc>
+                  <a:txBody>
+                    <a:bodyPr/>
+                    <a:lstStyle/>
+                    <a:p>
+                      <a:r>
+                        <a:rPr lang="en-US"/>
+                        <a:t>ROC-AUC</a:t>
+                      </a:r>
+                    </a:p>
+                  </a:txBody>
+                  <a:tcPr anchor="ctr">
+                    <a:lnL>
+                      <a:noFill/>
+                    </a:lnL>
+                    <a:lnR>
+                      <a:noFill/>
+                    </a:lnR>
+                    <a:lnT>
+                      <a:noFill/>
+                    </a:lnT>
+                    <a:lnB>
+                      <a:noFill/>
+                    </a:lnB>
+                    <a:noFill/>
+                  </a:tcPr>
+                </a:tc>
+                <a:extLst>
+                  <a:ext uri="{0D108BD9-81ED-4DB2-BD59-A6C34878D82A}">
+                    <a16:rowId xmlns:a16="http://schemas.microsoft.com/office/drawing/2014/main" val="4284724627"/>
+                  </a:ext>
+                </a:extLst>
+              </a:tr>
+              <a:tr h="702278">
+                <a:tc>
+                  <a:txBody>
+                    <a:bodyPr/>
+                    <a:lstStyle/>
+                    <a:p>
+                      <a:r>
+                        <a:rPr lang="en-US" b="1"/>
+                        <a:t>Random Forest</a:t>
+                      </a:r>
+                      <a:endParaRPr lang="en-US"/>
+                    </a:p>
+                  </a:txBody>
+                  <a:tcPr anchor="ctr">
+                    <a:lnL>
+                      <a:noFill/>
+                    </a:lnL>
+                    <a:lnR>
+                      <a:noFill/>
+                    </a:lnR>
+                    <a:lnT>
+                      <a:noFill/>
+                    </a:lnT>
+                    <a:lnB>
+                      <a:noFill/>
+                    </a:lnB>
+                    <a:noFill/>
+                  </a:tcPr>
+                </a:tc>
+                <a:tc>
+                  <a:txBody>
+                    <a:bodyPr/>
+                    <a:lstStyle/>
+                    <a:p>
+                      <a:r>
+                        <a:rPr lang="en-US"/>
+                        <a:t>0.89</a:t>
+                      </a:r>
+                    </a:p>
+                  </a:txBody>
+                  <a:tcPr anchor="ctr">
+                    <a:lnL>
+                      <a:noFill/>
+                    </a:lnL>
+                    <a:lnR>
+                      <a:noFill/>
+                    </a:lnR>
+                    <a:lnT>
+                      <a:noFill/>
+                    </a:lnT>
+                    <a:lnB>
+                      <a:noFill/>
+                    </a:lnB>
+                    <a:noFill/>
+                  </a:tcPr>
+                </a:tc>
+                <a:tc>
+                  <a:txBody>
+                    <a:bodyPr/>
+                    <a:lstStyle/>
+                    <a:p>
+                      <a:r>
+                        <a:rPr lang="en-US"/>
+                        <a:t>0.86</a:t>
+                      </a:r>
+                    </a:p>
+                  </a:txBody>
+                  <a:tcPr anchor="ctr">
+                    <a:lnL>
+                      <a:noFill/>
+                    </a:lnL>
+                    <a:lnR>
+                      <a:noFill/>
+                    </a:lnR>
+                    <a:lnT>
+                      <a:noFill/>
+                    </a:lnT>
+                    <a:lnB>
+                      <a:noFill/>
+                    </a:lnB>
+                    <a:noFill/>
+                  </a:tcPr>
+                </a:tc>
+                <a:tc>
+                  <a:txBody>
+                    <a:bodyPr/>
+                    <a:lstStyle/>
+                    <a:p>
+                      <a:r>
+                        <a:rPr lang="en-US"/>
+                        <a:t>0.77</a:t>
+                      </a:r>
+                    </a:p>
+                  </a:txBody>
+                  <a:tcPr anchor="ctr">
+                    <a:lnL>
+                      <a:noFill/>
+                    </a:lnL>
+                    <a:lnR>
+                      <a:noFill/>
+                    </a:lnR>
+                    <a:lnT>
+                      <a:noFill/>
+                    </a:lnT>
+                    <a:lnB>
+                      <a:noFill/>
+                    </a:lnB>
+                    <a:noFill/>
+                  </a:tcPr>
+                </a:tc>
+                <a:tc>
+                  <a:txBody>
+                    <a:bodyPr/>
+                    <a:lstStyle/>
+                    <a:p>
+                      <a:r>
+                        <a:rPr lang="en-US"/>
+                        <a:t>0.81</a:t>
+                      </a:r>
+                    </a:p>
+                  </a:txBody>
+                  <a:tcPr anchor="ctr">
+                    <a:lnL>
+                      <a:noFill/>
+                    </a:lnL>
+                    <a:lnR>
+                      <a:noFill/>
+                    </a:lnR>
+                    <a:lnT>
+                      <a:noFill/>
+                    </a:lnT>
+                    <a:lnB>
+                      <a:noFill/>
+                    </a:lnB>
+                    <a:noFill/>
+                  </a:tcPr>
+                </a:tc>
+                <a:tc>
+                  <a:txBody>
+                    <a:bodyPr/>
+                    <a:lstStyle/>
+                    <a:p>
+                      <a:r>
+                        <a:rPr lang="en-US"/>
+                        <a:t>0.90</a:t>
+                      </a:r>
+                    </a:p>
+                  </a:txBody>
+                  <a:tcPr anchor="ctr">
+                    <a:lnL>
+                      <a:noFill/>
+                    </a:lnL>
+                    <a:lnR>
+                      <a:noFill/>
+                    </a:lnR>
+                    <a:lnT>
+                      <a:noFill/>
+                    </a:lnT>
+                    <a:lnB>
+                      <a:noFill/>
+                    </a:lnB>
+                    <a:noFill/>
+                  </a:tcPr>
+                </a:tc>
+                <a:extLst>
+                  <a:ext uri="{0D108BD9-81ED-4DB2-BD59-A6C34878D82A}">
+                    <a16:rowId xmlns:a16="http://schemas.microsoft.com/office/drawing/2014/main" val="2284037571"/>
+                  </a:ext>
+                </a:extLst>
+              </a:tr>
+              <a:tr h="401302">
+                <a:tc>
+                  <a:txBody>
+                    <a:bodyPr/>
+                    <a:lstStyle/>
+                    <a:p>
+                      <a:r>
+                        <a:rPr lang="en-US" b="1"/>
+                        <a:t>XGBoost</a:t>
+                      </a:r>
+                      <a:endParaRPr lang="en-US"/>
+                    </a:p>
+                  </a:txBody>
+                  <a:tcPr anchor="ctr">
+                    <a:lnL>
+                      <a:noFill/>
+                    </a:lnL>
+                    <a:lnR>
+                      <a:noFill/>
+                    </a:lnR>
+                    <a:lnT>
+                      <a:noFill/>
+                    </a:lnT>
+                    <a:lnB>
+                      <a:noFill/>
+                    </a:lnB>
+                    <a:noFill/>
+                  </a:tcPr>
+                </a:tc>
+                <a:tc>
+                  <a:txBody>
+                    <a:bodyPr/>
+                    <a:lstStyle/>
+                    <a:p>
+                      <a:r>
+                        <a:rPr lang="en-US"/>
+                        <a:t>0.89</a:t>
+                      </a:r>
+                    </a:p>
+                  </a:txBody>
+                  <a:tcPr anchor="ctr">
+                    <a:lnL>
+                      <a:noFill/>
+                    </a:lnL>
+                    <a:lnR>
+                      <a:noFill/>
+                    </a:lnR>
+                    <a:lnT>
+                      <a:noFill/>
+                    </a:lnT>
+                    <a:lnB>
+                      <a:noFill/>
+                    </a:lnB>
+                    <a:noFill/>
+                  </a:tcPr>
+                </a:tc>
+                <a:tc>
+                  <a:txBody>
+                    <a:bodyPr/>
+                    <a:lstStyle/>
+                    <a:p>
+                      <a:r>
+                        <a:rPr lang="en-US"/>
+                        <a:t>0.87</a:t>
+                      </a:r>
+                    </a:p>
+                  </a:txBody>
+                  <a:tcPr anchor="ctr">
+                    <a:lnL>
+                      <a:noFill/>
+                    </a:lnL>
+                    <a:lnR>
+                      <a:noFill/>
+                    </a:lnR>
+                    <a:lnT>
+                      <a:noFill/>
+                    </a:lnT>
+                    <a:lnB>
+                      <a:noFill/>
+                    </a:lnB>
+                    <a:noFill/>
+                  </a:tcPr>
+                </a:tc>
+                <a:tc>
+                  <a:txBody>
+                    <a:bodyPr/>
+                    <a:lstStyle/>
+                    <a:p>
+                      <a:r>
+                        <a:rPr lang="en-US"/>
+                        <a:t>0.78</a:t>
+                      </a:r>
+                    </a:p>
+                  </a:txBody>
+                  <a:tcPr anchor="ctr">
+                    <a:lnL>
+                      <a:noFill/>
+                    </a:lnL>
+                    <a:lnR>
+                      <a:noFill/>
+                    </a:lnR>
+                    <a:lnT>
+                      <a:noFill/>
+                    </a:lnT>
+                    <a:lnB>
+                      <a:noFill/>
+                    </a:lnB>
+                    <a:noFill/>
+                  </a:tcPr>
+                </a:tc>
+                <a:tc>
+                  <a:txBody>
+                    <a:bodyPr/>
+                    <a:lstStyle/>
+                    <a:p>
+                      <a:r>
+                        <a:rPr lang="en-US"/>
+                        <a:t>0.82</a:t>
+                      </a:r>
+                    </a:p>
+                  </a:txBody>
+                  <a:tcPr anchor="ctr">
+                    <a:lnL>
+                      <a:noFill/>
+                    </a:lnL>
+                    <a:lnR>
+                      <a:noFill/>
+                    </a:lnR>
+                    <a:lnT>
+                      <a:noFill/>
+                    </a:lnT>
+                    <a:lnB>
+                      <a:noFill/>
+                    </a:lnB>
+                    <a:noFill/>
+                  </a:tcPr>
+                </a:tc>
+                <a:tc>
+                  <a:txBody>
+                    <a:bodyPr/>
+                    <a:lstStyle/>
+                    <a:p>
+                      <a:r>
+                        <a:rPr lang="en-US"/>
+                        <a:t>0.91</a:t>
+                      </a:r>
+                    </a:p>
+                  </a:txBody>
+                  <a:tcPr anchor="ctr">
+                    <a:lnL>
+                      <a:noFill/>
+                    </a:lnL>
+                    <a:lnR>
+                      <a:noFill/>
+                    </a:lnR>
+                    <a:lnT>
+                      <a:noFill/>
+                    </a:lnT>
+                    <a:lnB>
+                      <a:noFill/>
+                    </a:lnB>
+                    <a:noFill/>
+                  </a:tcPr>
+                </a:tc>
+                <a:extLst>
+                  <a:ext uri="{0D108BD9-81ED-4DB2-BD59-A6C34878D82A}">
+                    <a16:rowId xmlns:a16="http://schemas.microsoft.com/office/drawing/2014/main" val="1661114532"/>
+                  </a:ext>
+                </a:extLst>
+              </a:tr>
+              <a:tr h="1003254">
+                <a:tc>
+                  <a:txBody>
+                    <a:bodyPr/>
+                    <a:lstStyle/>
+                    <a:p>
+                      <a:r>
+                        <a:rPr lang="en-US" b="1"/>
+                        <a:t>Logistic Regression</a:t>
+                      </a:r>
+                      <a:endParaRPr lang="en-US"/>
+                    </a:p>
+                  </a:txBody>
+                  <a:tcPr anchor="ctr">
+                    <a:lnL>
+                      <a:noFill/>
+                    </a:lnL>
+                    <a:lnR>
+                      <a:noFill/>
+                    </a:lnR>
+                    <a:lnT>
+                      <a:noFill/>
+                    </a:lnT>
+                    <a:lnB>
+                      <a:noFill/>
+                    </a:lnB>
+                    <a:noFill/>
+                  </a:tcPr>
+                </a:tc>
+                <a:tc>
+                  <a:txBody>
+                    <a:bodyPr/>
+                    <a:lstStyle/>
+                    <a:p>
+                      <a:r>
+                        <a:rPr lang="en-US"/>
+                        <a:t>0.86</a:t>
+                      </a:r>
+                    </a:p>
+                  </a:txBody>
+                  <a:tcPr anchor="ctr">
+                    <a:lnL>
+                      <a:noFill/>
+                    </a:lnL>
+                    <a:lnR>
+                      <a:noFill/>
+                    </a:lnR>
+                    <a:lnT>
+                      <a:noFill/>
+                    </a:lnT>
+                    <a:lnB>
+                      <a:noFill/>
+                    </a:lnB>
+                    <a:noFill/>
+                  </a:tcPr>
+                </a:tc>
+                <a:tc>
+                  <a:txBody>
+                    <a:bodyPr/>
+                    <a:lstStyle/>
+                    <a:p>
+                      <a:r>
+                        <a:rPr lang="en-US"/>
+                        <a:t>0.82</a:t>
+                      </a:r>
+                    </a:p>
+                  </a:txBody>
+                  <a:tcPr anchor="ctr">
+                    <a:lnL>
+                      <a:noFill/>
+                    </a:lnL>
+                    <a:lnR>
+                      <a:noFill/>
+                    </a:lnR>
+                    <a:lnT>
+                      <a:noFill/>
+                    </a:lnT>
+                    <a:lnB>
+                      <a:noFill/>
+                    </a:lnB>
+                    <a:noFill/>
+                  </a:tcPr>
+                </a:tc>
+                <a:tc>
+                  <a:txBody>
+                    <a:bodyPr/>
+                    <a:lstStyle/>
+                    <a:p>
+                      <a:r>
+                        <a:rPr lang="en-US"/>
+                        <a:t>0.74</a:t>
+                      </a:r>
+                    </a:p>
+                  </a:txBody>
+                  <a:tcPr anchor="ctr">
+                    <a:lnL>
+                      <a:noFill/>
+                    </a:lnL>
+                    <a:lnR>
+                      <a:noFill/>
+                    </a:lnR>
+                    <a:lnT>
+                      <a:noFill/>
+                    </a:lnT>
+                    <a:lnB>
+                      <a:noFill/>
+                    </a:lnB>
+                    <a:noFill/>
+                  </a:tcPr>
+                </a:tc>
+                <a:tc>
+                  <a:txBody>
+                    <a:bodyPr/>
+                    <a:lstStyle/>
+                    <a:p>
+                      <a:r>
+                        <a:rPr lang="en-US"/>
+                        <a:t>0.78</a:t>
+                      </a:r>
+                    </a:p>
+                  </a:txBody>
+                  <a:tcPr anchor="ctr">
+                    <a:lnL>
+                      <a:noFill/>
+                    </a:lnL>
+                    <a:lnR>
+                      <a:noFill/>
+                    </a:lnR>
+                    <a:lnT>
+                      <a:noFill/>
+                    </a:lnT>
+                    <a:lnB>
+                      <a:noFill/>
+                    </a:lnB>
+                    <a:noFill/>
+                  </a:tcPr>
+                </a:tc>
+                <a:tc>
+                  <a:txBody>
+                    <a:bodyPr/>
+                    <a:lstStyle/>
+                    <a:p>
+                      <a:r>
+                        <a:rPr lang="en-US" dirty="0"/>
+                        <a:t>0.88</a:t>
+                      </a:r>
+                    </a:p>
+                  </a:txBody>
+                  <a:tcPr anchor="ctr">
+                    <a:lnL>
+                      <a:noFill/>
+                    </a:lnL>
+                    <a:lnR>
+                      <a:noFill/>
+                    </a:lnR>
+                    <a:lnT>
+                      <a:noFill/>
+                    </a:lnT>
+                    <a:lnB>
+                      <a:noFill/>
+                    </a:lnB>
+                    <a:noFill/>
+                  </a:tcPr>
+                </a:tc>
+                <a:extLst>
+                  <a:ext uri="{0D108BD9-81ED-4DB2-BD59-A6C34878D82A}">
+                    <a16:rowId xmlns:a16="http://schemas.microsoft.com/office/drawing/2014/main" val="2711649980"/>
+                  </a:ext>
+                </a:extLst>
+              </a:tr>
+            </a:tbl>
+          </a:graphicData>
+        </a:graphic>
+      </p:graphicFrame>
+      <p:sp>
+        <p:nvSpPr>
+          <p:cNvPr id="9" name="Rectangle 4">
+            <a:extLst>
+              <a:ext uri="{FF2B5EF4-FFF2-40B4-BE49-F238E27FC236}">
+                <a16:creationId xmlns:a16="http://schemas.microsoft.com/office/drawing/2014/main" id="{BC5C2326-82D8-99A7-04C8-C2DBE4977361}"/>
+              </a:ext>
+            </a:extLst>
+          </p:cNvPr>
+          <p:cNvSpPr>
+            <a:spLocks noChangeArrowheads="1"/>
+          </p:cNvSpPr>
+          <p:nvPr/>
+        </p:nvSpPr>
+        <p:spPr bwMode="auto">
+          <a:xfrm>
+            <a:off x="-466439" y="-49988"/>
+            <a:ext cx="10739260" cy="507831"/>
+          </a:xfrm>
+          <a:prstGeom prst="rect">
+            <a:avLst/>
+          </a:prstGeom>
+          <a:noFill/>
+          <a:ln>
+            <a:noFill/>
+          </a:ln>
+          <a:effectLst/>
+          <a:extLst>
+            <a:ext uri="{909E8E84-426E-40DD-AFC4-6F175D3DCCD1}">
+              <a14:hiddenFill xmlns:a14="http://schemas.microsoft.com/office/drawing/2010/main">
+                <a:solidFill>
+                  <a:schemeClr val="accent1"/>
+                </a:solidFill>
+              </a14:hiddenFill>
+            </a:ext>
+            <a:ext uri="{91240B29-F687-4F45-9708-019B960494DF}">
+              <a14:hiddenLine xmlns:a14="http://schemas.microsoft.com/office/drawing/2010/main" w="9525">
+                <a:solidFill>
+                  <a:schemeClr val="tx1"/>
+                </a:solidFill>
+                <a:miter lim="800000"/>
+                <a:headEnd/>
+                <a:tailEnd/>
+              </a14:hiddenLine>
+            </a:ext>
+            <a:ext uri="{AF507438-7753-43E0-B8FC-AC1667EBCBE1}">
+              <a14:hiddenEffects xmlns:a14="http://schemas.microsoft.com/office/drawing/2010/main">
+                <a:effectLst>
+                  <a:outerShdw dist="35921" dir="2700000" algn="ctr" rotWithShape="0">
+                    <a:schemeClr val="bg2"/>
+                  </a:outerShdw>
+                </a:effectLst>
+              </a14:hiddenEffects>
+            </a:ext>
+          </a:extLst>
+        </p:spPr>
+        <p:txBody>
+          <a:bodyPr vert="horz" wrap="square" lIns="91440" tIns="45720" rIns="91440" bIns="45720" numCol="1" anchor="ctr" anchorCtr="0" compatLnSpc="1">
+            <a:prstTxWarp prst="textNoShape">
+              <a:avLst/>
+            </a:prstTxWarp>
+            <a:spAutoFit/>
+          </a:bodyPr>
+          <a:lstStyle/>
+          <a:p>
+            <a:pPr marL="0" marR="0" lvl="0" indent="0" algn="l" defTabSz="914400" rtl="0" eaLnBrk="0" fontAlgn="base" latinLnBrk="0" hangingPunct="0">
+              <a:lnSpc>
+                <a:spcPct val="100000"/>
+              </a:lnSpc>
+              <a:spcBef>
+                <a:spcPct val="0"/>
+              </a:spcBef>
+              <a:spcAft>
+                <a:spcPct val="0"/>
+              </a:spcAft>
+              <a:buClrTx/>
+              <a:buSzTx/>
+              <a:buFontTx/>
+              <a:buNone/>
+              <a:tabLst/>
+            </a:pPr>
+            <a:r>
+              <a:rPr kumimoji="0" lang="en-US" altLang="en-US" sz="900" b="1" i="0" u="none" strike="noStrike" cap="none" normalizeH="0" baseline="0">
+                <a:ln>
+                  <a:noFill/>
+                </a:ln>
+                <a:solidFill>
+                  <a:schemeClr val="tx1"/>
+                </a:solidFill>
+                <a:effectLst/>
+                <a:latin typeface="Arial" panose="020B0604020202020204" pitchFamily="34" charset="0"/>
+              </a:rPr>
+              <a:t>📊 Model Performance Summary</a:t>
+            </a:r>
+          </a:p>
+          <a:p>
+            <a:pPr marL="0" marR="0" lvl="0" indent="0" algn="l" defTabSz="914400" rtl="0" eaLnBrk="0" fontAlgn="base" latinLnBrk="0" hangingPunct="0">
+              <a:lnSpc>
+                <a:spcPct val="100000"/>
+              </a:lnSpc>
+              <a:spcBef>
+                <a:spcPct val="0"/>
+              </a:spcBef>
+              <a:spcAft>
+                <a:spcPct val="0"/>
+              </a:spcAft>
+              <a:buClrTx/>
+              <a:buSzTx/>
+              <a:buFontTx/>
+              <a:buNone/>
+              <a:tabLst/>
+            </a:pPr>
+            <a:endParaRPr kumimoji="0" lang="en-US" altLang="en-US" sz="1800" b="0" i="0" u="none" strike="noStrike" cap="none" normalizeH="0" baseline="0">
+              <a:ln>
+                <a:noFill/>
+              </a:ln>
+              <a:solidFill>
+                <a:schemeClr val="tx1"/>
+              </a:solidFill>
+              <a:effectLst/>
+              <a:latin typeface="Arial" panose="020B0604020202020204" pitchFamily="34" charset="0"/>
+            </a:endParaRPr>
+          </a:p>
+        </p:txBody>
+      </p:sp>
+    </p:spTree>
+    <p:extLst>
+      <p:ext uri="{BB962C8B-B14F-4D97-AF65-F5344CB8AC3E}">
+        <p14:creationId xmlns:p14="http://schemas.microsoft.com/office/powerpoint/2010/main" val="542618017"/>
+      </p:ext>
+    </p:extLst>
+  </p:cSld>
+  <p:clrMapOvr>
+    <a:masterClrMapping/>
+  </p:clrMapOvr>
+</p:sld>
+</file>
+
+<file path=ppt/slides/slide8.xml><?xml version="1.0" encoding="utf-8"?>
+<p:sld xmlns:a="http://schemas.openxmlformats.org/drawingml/2006/main" xmlns:r="http://schemas.openxmlformats.org/officeDocument/2006/relationships" xmlns:p="http://schemas.openxmlformats.org/presentationml/2006/main">
+  <p:cSld>
+    <p:spTree>
+      <p:nvGrpSpPr>
+        <p:cNvPr id="1" name=""/>
+        <p:cNvGrpSpPr/>
+        <p:nvPr/>
+      </p:nvGrpSpPr>
+      <p:grpSpPr>
+        <a:xfrm>
+          <a:off x="0" y="0"/>
+          <a:ext cx="0" cy="0"/>
+          <a:chOff x="0" y="0"/>
+          <a:chExt cx="0" cy="0"/>
+        </a:xfrm>
+      </p:grpSpPr>
+      <p:sp>
+        <p:nvSpPr>
+          <p:cNvPr id="2" name="Title 1">
+            <a:extLst>
+              <a:ext uri="{FF2B5EF4-FFF2-40B4-BE49-F238E27FC236}">
+                <a16:creationId xmlns:a16="http://schemas.microsoft.com/office/drawing/2014/main" id="{C78450F9-31E5-9565-9EDE-61D303213888}"/>
+              </a:ext>
+            </a:extLst>
+          </p:cNvPr>
+          <p:cNvSpPr>
+            <a:spLocks noGrp="1"/>
+          </p:cNvSpPr>
+          <p:nvPr>
+            <p:ph type="title"/>
+          </p:nvPr>
+        </p:nvSpPr>
+        <p:spPr/>
+        <p:txBody>
+          <a:bodyPr/>
+          <a:lstStyle/>
+          <a:p>
+            <a:r>
+              <a:rPr lang="en-US" sz="3200" b="1" dirty="0"/>
+              <a:t>Which Model is Best?</a:t>
+            </a:r>
+            <a:br>
+              <a:rPr lang="en-US" b="1" dirty="0"/>
+            </a:br>
+            <a:endParaRPr lang="en-US" dirty="0"/>
+          </a:p>
+        </p:txBody>
+      </p:sp>
+      <p:sp>
+        <p:nvSpPr>
+          <p:cNvPr id="3" name="Content Placeholder 2">
+            <a:extLst>
+              <a:ext uri="{FF2B5EF4-FFF2-40B4-BE49-F238E27FC236}">
+                <a16:creationId xmlns:a16="http://schemas.microsoft.com/office/drawing/2014/main" id="{0A1BA377-627A-21F8-7DDF-08AF4EFDE50F}"/>
+              </a:ext>
+            </a:extLst>
+          </p:cNvPr>
+          <p:cNvSpPr>
+            <a:spLocks noGrp="1"/>
+          </p:cNvSpPr>
+          <p:nvPr>
+            <p:ph idx="1"/>
+          </p:nvPr>
+        </p:nvSpPr>
+        <p:spPr>
+          <a:xfrm>
+            <a:off x="258792" y="966158"/>
+            <a:ext cx="8264106" cy="5210355"/>
+          </a:xfrm>
+        </p:spPr>
+        <p:txBody>
+          <a:bodyPr>
+            <a:normAutofit fontScale="55000" lnSpcReduction="20000"/>
+          </a:bodyPr>
+          <a:lstStyle/>
+          <a:p>
+            <a:pPr>
+              <a:buNone/>
+            </a:pPr>
+            <a:endParaRPr lang="en-US" sz="2600" b="1" dirty="0"/>
+          </a:p>
+          <a:p>
+            <a:pPr>
+              <a:buFont typeface="Arial" panose="020B0604020202020204" pitchFamily="34" charset="0"/>
+              <a:buChar char="•"/>
+            </a:pPr>
+            <a:r>
+              <a:rPr lang="en-US" sz="3200" b="1" dirty="0" err="1"/>
+              <a:t>XGBoost</a:t>
+            </a:r>
+            <a:r>
+              <a:rPr lang="en-US" sz="3200" b="1" dirty="0"/>
+              <a:t> has the highest ROC-AUC (0.91)</a:t>
+            </a:r>
+            <a:r>
+              <a:rPr lang="en-US" sz="3200" dirty="0"/>
+              <a:t> → Meaning it distinguishes between classes best.</a:t>
+            </a:r>
+          </a:p>
+          <a:p>
+            <a:pPr>
+              <a:buFont typeface="Arial" panose="020B0604020202020204" pitchFamily="34" charset="0"/>
+              <a:buChar char="•"/>
+            </a:pPr>
+            <a:r>
+              <a:rPr lang="en-US" sz="3200" b="1" dirty="0" err="1"/>
+              <a:t>XGBoost</a:t>
+            </a:r>
+            <a:r>
+              <a:rPr lang="en-US" sz="3200" b="1" dirty="0"/>
+              <a:t> has the highest F1-Score (0.82)</a:t>
+            </a:r>
+            <a:r>
+              <a:rPr lang="en-US" sz="3200" dirty="0"/>
+              <a:t> → Best balance between Precision and Recall.</a:t>
+            </a:r>
+          </a:p>
+          <a:p>
+            <a:pPr>
+              <a:buFont typeface="Arial" panose="020B0604020202020204" pitchFamily="34" charset="0"/>
+              <a:buChar char="•"/>
+            </a:pPr>
+            <a:r>
+              <a:rPr lang="en-US" sz="3200" b="1" dirty="0"/>
+              <a:t>Random Forest is slightly behind </a:t>
+            </a:r>
+            <a:r>
+              <a:rPr lang="en-US" sz="3200" b="1" dirty="0" err="1"/>
+              <a:t>XGBoost</a:t>
+            </a:r>
+            <a:r>
+              <a:rPr lang="en-US" sz="3200" dirty="0"/>
+              <a:t>, but still strong.</a:t>
+            </a:r>
+          </a:p>
+          <a:p>
+            <a:pPr>
+              <a:buFont typeface="Arial" panose="020B0604020202020204" pitchFamily="34" charset="0"/>
+              <a:buChar char="•"/>
+            </a:pPr>
+            <a:r>
+              <a:rPr lang="en-US" sz="3200" b="1" dirty="0"/>
+              <a:t>Logistic Regression performs the worst</a:t>
+            </a:r>
+            <a:r>
+              <a:rPr lang="en-US" sz="3200" dirty="0"/>
+              <a:t> in all metrics.</a:t>
+            </a:r>
+          </a:p>
+          <a:p>
+            <a:pPr>
+              <a:buNone/>
+            </a:pPr>
+            <a:r>
+              <a:rPr lang="en-US" sz="3200" b="1" dirty="0"/>
+              <a:t>🏆 Final Verdict: </a:t>
+            </a:r>
+            <a:r>
+              <a:rPr lang="en-US" sz="3200" b="1" dirty="0" err="1"/>
+              <a:t>XGBoost</a:t>
+            </a:r>
+            <a:r>
+              <a:rPr lang="en-US" sz="3200" b="1" dirty="0"/>
+              <a:t> Wins!</a:t>
+            </a:r>
+          </a:p>
+          <a:p>
+            <a:pPr>
+              <a:buFont typeface="Arial" panose="020B0604020202020204" pitchFamily="34" charset="0"/>
+              <a:buChar char="•"/>
+            </a:pPr>
+            <a:r>
+              <a:rPr lang="en-US" sz="3200" dirty="0"/>
+              <a:t>If you want the best-performing model for predicting </a:t>
+            </a:r>
+            <a:r>
+              <a:rPr lang="en-US" sz="3200" b="1" dirty="0"/>
+              <a:t>subscription to a term deposit</a:t>
+            </a:r>
+            <a:r>
+              <a:rPr lang="en-US" sz="3200" dirty="0"/>
+              <a:t>, </a:t>
+            </a:r>
+            <a:r>
+              <a:rPr lang="en-US" sz="3200" b="1" dirty="0" err="1"/>
+              <a:t>XGBoost</a:t>
+            </a:r>
+            <a:r>
+              <a:rPr lang="en-US" sz="3200" dirty="0"/>
+              <a:t> is the best choice.</a:t>
+            </a:r>
+          </a:p>
+          <a:p>
+            <a:pPr>
+              <a:buFont typeface="Arial" panose="020B0604020202020204" pitchFamily="34" charset="0"/>
+              <a:buChar char="•"/>
+            </a:pPr>
+            <a:r>
+              <a:rPr lang="en-US" sz="3200" b="1" dirty="0"/>
+              <a:t>Random Forest is a close second</a:t>
+            </a:r>
+            <a:r>
+              <a:rPr lang="en-US" sz="3200" dirty="0"/>
+              <a:t> and may be useful if interpretability is a priority.</a:t>
+            </a:r>
+          </a:p>
+          <a:p>
+            <a:pPr>
+              <a:buNone/>
+            </a:pPr>
+            <a:r>
+              <a:rPr lang="en-US" sz="3200" b="1" dirty="0"/>
+              <a:t>Visual Proof (Feature Importance)</a:t>
+            </a:r>
+          </a:p>
+          <a:p>
+            <a:pPr>
+              <a:buNone/>
+            </a:pPr>
+            <a:r>
+              <a:rPr lang="en-US" sz="3200" dirty="0"/>
+              <a:t>If you look at the </a:t>
+            </a:r>
+            <a:r>
+              <a:rPr lang="en-US" sz="3200" b="1" dirty="0"/>
+              <a:t>Feature Importance (Random Forest &amp; </a:t>
+            </a:r>
+            <a:r>
+              <a:rPr lang="en-US" sz="3200" b="1" dirty="0" err="1"/>
+              <a:t>XGBoost</a:t>
+            </a:r>
+            <a:r>
+              <a:rPr lang="en-US" sz="3200" b="1" dirty="0"/>
+              <a:t>)</a:t>
+            </a:r>
+            <a:r>
+              <a:rPr lang="en-US" sz="3200" dirty="0"/>
+              <a:t>:</a:t>
+            </a:r>
+          </a:p>
+          <a:p>
+            <a:pPr>
+              <a:buFont typeface="Arial" panose="020B0604020202020204" pitchFamily="34" charset="0"/>
+              <a:buChar char="•"/>
+            </a:pPr>
+            <a:r>
+              <a:rPr lang="en-US" sz="3200" b="1" dirty="0" err="1"/>
+              <a:t>XGBoost</a:t>
+            </a:r>
+            <a:r>
+              <a:rPr lang="en-US" sz="3200" b="1" dirty="0"/>
+              <a:t> may highlight more important features correctly</a:t>
+            </a:r>
+            <a:r>
+              <a:rPr lang="en-US" sz="3200" dirty="0"/>
+              <a:t> due to its boosting mechanism.</a:t>
+            </a:r>
+          </a:p>
+          <a:p>
+            <a:pPr>
+              <a:buFont typeface="Arial" panose="020B0604020202020204" pitchFamily="34" charset="0"/>
+              <a:buChar char="•"/>
+            </a:pPr>
+            <a:r>
+              <a:rPr lang="en-US" sz="3200" b="1" dirty="0"/>
+              <a:t>Random Forest is still interpretable</a:t>
+            </a:r>
+            <a:r>
+              <a:rPr lang="en-US" sz="3200" dirty="0"/>
+              <a:t>, but slightly less optimized.</a:t>
+            </a:r>
+          </a:p>
+          <a:p>
+            <a:endParaRPr lang="en-US" dirty="0"/>
+          </a:p>
+        </p:txBody>
+      </p:sp>
+    </p:spTree>
+    <p:extLst>
+      <p:ext uri="{BB962C8B-B14F-4D97-AF65-F5344CB8AC3E}">
+        <p14:creationId xmlns:p14="http://schemas.microsoft.com/office/powerpoint/2010/main" val="3993998734"/>
+      </p:ext>
+    </p:extLst>
+  </p:cSld>
+  <p:clrMapOvr>
+    <a:masterClrMapping/>
+  </p:clrMapOvr>
+</p:sld>
+</file>
+
+<file path=ppt/slides/slide9.xml><?xml version="1.0" encoding="utf-8"?>
+<p:sld xmlns:a="http://schemas.openxmlformats.org/drawingml/2006/main" xmlns:r="http://schemas.openxmlformats.org/officeDocument/2006/relationships" xmlns:p="http://schemas.openxmlformats.org/presentationml/2006/main">
+  <p:cSld>
+    <p:spTree>
+      <p:nvGrpSpPr>
+        <p:cNvPr id="1" name=""/>
+        <p:cNvGrpSpPr/>
+        <p:nvPr/>
+      </p:nvGrpSpPr>
+      <p:grpSpPr>
+        <a:xfrm>
+          <a:off x="0" y="0"/>
+          <a:ext cx="0" cy="0"/>
+          <a:chOff x="0" y="0"/>
+          <a:chExt cx="0" cy="0"/>
+        </a:xfrm>
+      </p:grpSpPr>
+      <p:sp>
+        <p:nvSpPr>
+          <p:cNvPr id="3" name="Content Placeholder 2">
+            <a:extLst>
+              <a:ext uri="{FF2B5EF4-FFF2-40B4-BE49-F238E27FC236}">
+                <a16:creationId xmlns:a16="http://schemas.microsoft.com/office/drawing/2014/main" id="{C88CD3AA-3C69-D563-90FE-AF9E9BFAD913}"/>
+              </a:ext>
+            </a:extLst>
+          </p:cNvPr>
+          <p:cNvSpPr>
+            <a:spLocks noGrp="1"/>
+          </p:cNvSpPr>
+          <p:nvPr>
+            <p:ph idx="1"/>
+          </p:nvPr>
+        </p:nvSpPr>
+        <p:spPr>
+          <a:xfrm>
+            <a:off x="1051987" y="1331259"/>
+            <a:ext cx="6711654" cy="4195481"/>
+          </a:xfrm>
+        </p:spPr>
+        <p:txBody>
+          <a:bodyPr/>
+          <a:lstStyle/>
+          <a:p>
+            <a:pPr algn="ctr"/>
+            <a:endParaRPr lang="en-US" dirty="0"/>
+          </a:p>
+          <a:p>
+            <a:pPr algn="ctr"/>
+            <a:endParaRPr lang="en-US" dirty="0"/>
+          </a:p>
+          <a:p>
+            <a:pPr algn="ctr"/>
+            <a:endParaRPr lang="en-US" dirty="0"/>
+          </a:p>
+          <a:p>
+            <a:pPr algn="ctr"/>
+            <a:r>
+              <a:rPr lang="en-US" sz="4400" dirty="0"/>
+              <a:t>The End</a:t>
+            </a:r>
+          </a:p>
+        </p:txBody>
+      </p:sp>
+    </p:spTree>
+    <p:extLst>
+      <p:ext uri="{BB962C8B-B14F-4D97-AF65-F5344CB8AC3E}">
+        <p14:creationId xmlns:p14="http://schemas.microsoft.com/office/powerpoint/2010/main" val="893172367"/>
+      </p:ext>
+    </p:extLst>
+  </p:cSld>
+  <p:clrMapOvr>
+    <a:masterClrMapping/>
+  </p:clrMapOvr>
+</p:sld>
+</file>
+
 <file path=ppt/theme/theme1.xml><?xml version="1.0" encoding="utf-8"?>
 <a:theme xmlns:a="http://schemas.openxmlformats.org/drawingml/2006/main" name="Ion">
   <a:themeElements>

--- a/Project Proposal/Bank_Marketing_Analysis_F.pptx
+++ b/Project Proposal/Bank_Marketing_Analysis_F.pptx
@@ -6,14 +6,16 @@
   </p:sldMasterIdLst>
   <p:sldIdLst>
     <p:sldId id="256" r:id="rId2"/>
-    <p:sldId id="257" r:id="rId3"/>
-    <p:sldId id="258" r:id="rId4"/>
-    <p:sldId id="259" r:id="rId5"/>
-    <p:sldId id="261" r:id="rId6"/>
-    <p:sldId id="260" r:id="rId7"/>
-    <p:sldId id="262" r:id="rId8"/>
-    <p:sldId id="263" r:id="rId9"/>
-    <p:sldId id="264" r:id="rId10"/>
+    <p:sldId id="266" r:id="rId3"/>
+    <p:sldId id="257" r:id="rId4"/>
+    <p:sldId id="258" r:id="rId5"/>
+    <p:sldId id="259" r:id="rId6"/>
+    <p:sldId id="261" r:id="rId7"/>
+    <p:sldId id="260" r:id="rId8"/>
+    <p:sldId id="262" r:id="rId9"/>
+    <p:sldId id="263" r:id="rId10"/>
+    <p:sldId id="265" r:id="rId11"/>
+    <p:sldId id="264" r:id="rId12"/>
   </p:sldIdLst>
   <p:sldSz cx="9144000" cy="6858000" type="screen4x3"/>
   <p:notesSz cx="6858000" cy="9144000"/>
@@ -113,6 +115,25 @@
     </a:lvl9pPr>
   </p:defaultTextStyle>
   <p:extLst>
+    <p:ext uri="{521415D9-36F7-43E2-AB2F-B90AF26B5E84}">
+      <p14:sectionLst xmlns:p14="http://schemas.microsoft.com/office/powerpoint/2010/main">
+        <p14:section name="Untitled Section" id="{CE23E6B0-DD13-4DB2-AE72-4B20ED6E352A}">
+          <p14:sldIdLst>
+            <p14:sldId id="256"/>
+            <p14:sldId id="266"/>
+            <p14:sldId id="257"/>
+            <p14:sldId id="258"/>
+            <p14:sldId id="259"/>
+            <p14:sldId id="261"/>
+            <p14:sldId id="260"/>
+            <p14:sldId id="262"/>
+            <p14:sldId id="263"/>
+            <p14:sldId id="265"/>
+            <p14:sldId id="264"/>
+          </p14:sldIdLst>
+        </p14:section>
+      </p14:sectionLst>
+    </p:ext>
     <p:ext uri="{EFAFB233-063F-42B5-8137-9DF3F51BA10A}">
       <p15:sldGuideLst xmlns:p15="http://schemas.microsoft.com/office/powerpoint/2012/main">
         <p15:guide id="1" orient="horz" pos="2160">
@@ -6179,7 +6200,7 @@
           <a:p>
             <a:fld id="{5BCAD085-E8A6-8845-BD4E-CB4CCA059FC4}" type="datetimeFigureOut">
               <a:rPr lang="en-US" smtClean="0"/>
-              <a:t>3/18/2025</a:t>
+              <a:t>3/28/2025</a:t>
             </a:fld>
             <a:endParaRPr lang="en-US"/>
           </a:p>
@@ -6454,7 +6475,7 @@
           <a:p>
             <a:fld id="{5BCAD085-E8A6-8845-BD4E-CB4CCA059FC4}" type="datetimeFigureOut">
               <a:rPr lang="en-US" smtClean="0"/>
-              <a:t>3/18/2025</a:t>
+              <a:t>3/28/2025</a:t>
             </a:fld>
             <a:endParaRPr lang="en-US"/>
           </a:p>
@@ -6648,7 +6669,7 @@
           <a:p>
             <a:fld id="{5BCAD085-E8A6-8845-BD4E-CB4CCA059FC4}" type="datetimeFigureOut">
               <a:rPr lang="en-US" smtClean="0"/>
-              <a:t>3/18/2025</a:t>
+              <a:t>3/28/2025</a:t>
             </a:fld>
             <a:endParaRPr lang="en-US"/>
           </a:p>
@@ -6921,7 +6942,7 @@
           <a:p>
             <a:fld id="{5BCAD085-E8A6-8845-BD4E-CB4CCA059FC4}" type="datetimeFigureOut">
               <a:rPr lang="en-US" smtClean="0"/>
-              <a:t>3/18/2025</a:t>
+              <a:t>3/28/2025</a:t>
             </a:fld>
             <a:endParaRPr lang="en-US"/>
           </a:p>
@@ -7262,7 +7283,7 @@
           <a:p>
             <a:fld id="{5BCAD085-E8A6-8845-BD4E-CB4CCA059FC4}" type="datetimeFigureOut">
               <a:rPr lang="en-US" smtClean="0"/>
-              <a:t>3/18/2025</a:t>
+              <a:t>3/28/2025</a:t>
             </a:fld>
             <a:endParaRPr lang="en-US"/>
           </a:p>
@@ -7885,7 +7906,7 @@
           <a:p>
             <a:fld id="{5BCAD085-E8A6-8845-BD4E-CB4CCA059FC4}" type="datetimeFigureOut">
               <a:rPr lang="en-US" smtClean="0"/>
-              <a:t>3/18/2025</a:t>
+              <a:t>3/28/2025</a:t>
             </a:fld>
             <a:endParaRPr lang="en-US"/>
           </a:p>
@@ -8745,7 +8766,7 @@
           <a:p>
             <a:fld id="{5BCAD085-E8A6-8845-BD4E-CB4CCA059FC4}" type="datetimeFigureOut">
               <a:rPr lang="en-US" smtClean="0"/>
-              <a:t>3/18/2025</a:t>
+              <a:t>3/28/2025</a:t>
             </a:fld>
             <a:endParaRPr lang="en-US"/>
           </a:p>
@@ -8915,7 +8936,7 @@
           <a:p>
             <a:fld id="{5BCAD085-E8A6-8845-BD4E-CB4CCA059FC4}" type="datetimeFigureOut">
               <a:rPr lang="en-US" smtClean="0"/>
-              <a:t>3/18/2025</a:t>
+              <a:t>3/28/2025</a:t>
             </a:fld>
             <a:endParaRPr lang="en-US"/>
           </a:p>
@@ -9095,7 +9116,7 @@
           <a:p>
             <a:fld id="{5BCAD085-E8A6-8845-BD4E-CB4CCA059FC4}" type="datetimeFigureOut">
               <a:rPr lang="en-US" smtClean="0"/>
-              <a:t>3/18/2025</a:t>
+              <a:t>3/28/2025</a:t>
             </a:fld>
             <a:endParaRPr lang="en-US"/>
           </a:p>
@@ -9265,7 +9286,7 @@
           <a:p>
             <a:fld id="{5BCAD085-E8A6-8845-BD4E-CB4CCA059FC4}" type="datetimeFigureOut">
               <a:rPr lang="en-US" smtClean="0"/>
-              <a:t>3/18/2025</a:t>
+              <a:t>3/28/2025</a:t>
             </a:fld>
             <a:endParaRPr lang="en-US"/>
           </a:p>
@@ -9512,7 +9533,7 @@
           <a:p>
             <a:fld id="{5BCAD085-E8A6-8845-BD4E-CB4CCA059FC4}" type="datetimeFigureOut">
               <a:rPr lang="en-US" smtClean="0"/>
-              <a:t>3/18/2025</a:t>
+              <a:t>3/28/2025</a:t>
             </a:fld>
             <a:endParaRPr lang="en-US"/>
           </a:p>
@@ -9804,7 +9825,7 @@
           <a:p>
             <a:fld id="{5BCAD085-E8A6-8845-BD4E-CB4CCA059FC4}" type="datetimeFigureOut">
               <a:rPr lang="en-US" smtClean="0"/>
-              <a:t>3/18/2025</a:t>
+              <a:t>3/28/2025</a:t>
             </a:fld>
             <a:endParaRPr lang="en-US"/>
           </a:p>
@@ -10248,7 +10269,7 @@
           <a:p>
             <a:fld id="{5BCAD085-E8A6-8845-BD4E-CB4CCA059FC4}" type="datetimeFigureOut">
               <a:rPr lang="en-US" smtClean="0"/>
-              <a:t>3/18/2025</a:t>
+              <a:t>3/28/2025</a:t>
             </a:fld>
             <a:endParaRPr lang="en-US"/>
           </a:p>
@@ -10366,7 +10387,7 @@
           <a:p>
             <a:fld id="{5BCAD085-E8A6-8845-BD4E-CB4CCA059FC4}" type="datetimeFigureOut">
               <a:rPr lang="en-US" smtClean="0"/>
-              <a:t>3/18/2025</a:t>
+              <a:t>3/28/2025</a:t>
             </a:fld>
             <a:endParaRPr lang="en-US"/>
           </a:p>
@@ -10461,7 +10482,7 @@
           <a:p>
             <a:fld id="{5BCAD085-E8A6-8845-BD4E-CB4CCA059FC4}" type="datetimeFigureOut">
               <a:rPr lang="en-US" smtClean="0"/>
-              <a:t>3/18/2025</a:t>
+              <a:t>3/28/2025</a:t>
             </a:fld>
             <a:endParaRPr lang="en-US"/>
           </a:p>
@@ -10740,7 +10761,7 @@
           <a:p>
             <a:fld id="{5BCAD085-E8A6-8845-BD4E-CB4CCA059FC4}" type="datetimeFigureOut">
               <a:rPr lang="en-US" smtClean="0"/>
-              <a:t>3/18/2025</a:t>
+              <a:t>3/28/2025</a:t>
             </a:fld>
             <a:endParaRPr lang="en-US"/>
           </a:p>
@@ -11015,7 +11036,7 @@
           <a:p>
             <a:fld id="{5BCAD085-E8A6-8845-BD4E-CB4CCA059FC4}" type="datetimeFigureOut">
               <a:rPr lang="en-US" smtClean="0"/>
-              <a:t>3/18/2025</a:t>
+              <a:t>3/28/2025</a:t>
             </a:fld>
             <a:endParaRPr lang="en-US"/>
           </a:p>
@@ -11580,7 +11601,7 @@
           <a:p>
             <a:fld id="{5BCAD085-E8A6-8845-BD4E-CB4CCA059FC4}" type="datetimeFigureOut">
               <a:rPr lang="en-US" smtClean="0"/>
-              <a:t>3/18/2025</a:t>
+              <a:t>3/28/2025</a:t>
             </a:fld>
             <a:endParaRPr lang="en-US"/>
           </a:p>
@@ -12163,7 +12184,447 @@
 </p:sld>
 </file>
 
+<file path=ppt/slides/slide10.xml><?xml version="1.0" encoding="utf-8"?>
+<p:sld xmlns:a="http://schemas.openxmlformats.org/drawingml/2006/main" xmlns:r="http://schemas.openxmlformats.org/officeDocument/2006/relationships" xmlns:p="http://schemas.openxmlformats.org/presentationml/2006/main">
+  <p:cSld>
+    <p:spTree>
+      <p:nvGrpSpPr>
+        <p:cNvPr id="1" name=""/>
+        <p:cNvGrpSpPr/>
+        <p:nvPr/>
+      </p:nvGrpSpPr>
+      <p:grpSpPr>
+        <a:xfrm>
+          <a:off x="0" y="0"/>
+          <a:ext cx="0" cy="0"/>
+          <a:chOff x="0" y="0"/>
+          <a:chExt cx="0" cy="0"/>
+        </a:xfrm>
+      </p:grpSpPr>
+      <p:sp>
+        <p:nvSpPr>
+          <p:cNvPr id="2" name="Title 1">
+            <a:extLst>
+              <a:ext uri="{FF2B5EF4-FFF2-40B4-BE49-F238E27FC236}">
+                <a16:creationId xmlns:a16="http://schemas.microsoft.com/office/drawing/2014/main" id="{5A606FCE-558B-B2CC-FDD0-C7C620199F51}"/>
+              </a:ext>
+            </a:extLst>
+          </p:cNvPr>
+          <p:cNvSpPr>
+            <a:spLocks noGrp="1"/>
+          </p:cNvSpPr>
+          <p:nvPr>
+            <p:ph type="title"/>
+          </p:nvPr>
+        </p:nvSpPr>
+        <p:spPr/>
+        <p:txBody>
+          <a:bodyPr/>
+          <a:lstStyle/>
+          <a:p>
+            <a:r>
+              <a:rPr lang="en-US" dirty="0"/>
+              <a:t>Conclusion:</a:t>
+            </a:r>
+          </a:p>
+        </p:txBody>
+      </p:sp>
+      <p:sp>
+        <p:nvSpPr>
+          <p:cNvPr id="3" name="Content Placeholder 2">
+            <a:extLst>
+              <a:ext uri="{FF2B5EF4-FFF2-40B4-BE49-F238E27FC236}">
+                <a16:creationId xmlns:a16="http://schemas.microsoft.com/office/drawing/2014/main" id="{4CA6E036-7E68-1A51-2900-E5AC17FC40B0}"/>
+              </a:ext>
+            </a:extLst>
+          </p:cNvPr>
+          <p:cNvSpPr>
+            <a:spLocks noGrp="1"/>
+          </p:cNvSpPr>
+          <p:nvPr>
+            <p:ph idx="1"/>
+          </p:nvPr>
+        </p:nvSpPr>
+        <p:spPr>
+          <a:xfrm>
+            <a:off x="690113" y="1311215"/>
+            <a:ext cx="6849241" cy="4937191"/>
+          </a:xfrm>
+        </p:spPr>
+        <p:txBody>
+          <a:bodyPr>
+            <a:normAutofit fontScale="92500" lnSpcReduction="20000"/>
+          </a:bodyPr>
+          <a:lstStyle/>
+          <a:p>
+            <a:pPr>
+              <a:buNone/>
+            </a:pPr>
+            <a:r>
+              <a:rPr lang="en-US" b="1" dirty="0" err="1"/>
+              <a:t>XGBoost</a:t>
+            </a:r>
+            <a:r>
+              <a:rPr lang="en-US" dirty="0"/>
+              <a:t> is the clear winner in this comparison, demonstrating the highest ROC-AUC (0.91) and F1-Score (0.82), which indicates its superior ability to distinguish between classes and maintain a strong balance between precision and recall. While </a:t>
+            </a:r>
+            <a:r>
+              <a:rPr lang="en-US" b="1" dirty="0"/>
+              <a:t>Random Forest</a:t>
+            </a:r>
+            <a:r>
+              <a:rPr lang="en-US" dirty="0"/>
+              <a:t> is a close contender, it lags slightly behind </a:t>
+            </a:r>
+            <a:r>
+              <a:rPr lang="en-US" dirty="0" err="1"/>
+              <a:t>XGBoost</a:t>
+            </a:r>
+            <a:r>
+              <a:rPr lang="en-US" dirty="0"/>
+              <a:t> but remains a robust option, especially when interpretability is a priority. On the other hand, </a:t>
+            </a:r>
+            <a:r>
+              <a:rPr lang="en-US" b="1" dirty="0"/>
+              <a:t>Logistic Regression</a:t>
+            </a:r>
+            <a:r>
+              <a:rPr lang="en-US" dirty="0"/>
+              <a:t> performs the weakest across all metrics, making it less favorable for predicting subscription to a term deposit.</a:t>
+            </a:r>
+          </a:p>
+          <a:p>
+            <a:r>
+              <a:rPr lang="en-US" dirty="0"/>
+              <a:t>For those seeking the most accurate and effective model, </a:t>
+            </a:r>
+            <a:r>
+              <a:rPr lang="en-US" b="1" dirty="0" err="1"/>
+              <a:t>XGBoost</a:t>
+            </a:r>
+            <a:r>
+              <a:rPr lang="en-US" dirty="0"/>
+              <a:t> is the best choice. However, </a:t>
+            </a:r>
+            <a:r>
+              <a:rPr lang="en-US" b="1" dirty="0"/>
+              <a:t>Random Forest</a:t>
+            </a:r>
+            <a:r>
+              <a:rPr lang="en-US" dirty="0"/>
+              <a:t> might be preferred in scenarios where model interpretability is crucial. When it comes to feature importance, </a:t>
+            </a:r>
+            <a:r>
+              <a:rPr lang="en-US" b="1" dirty="0" err="1"/>
+              <a:t>XGBoost</a:t>
+            </a:r>
+            <a:r>
+              <a:rPr lang="en-US" dirty="0"/>
+              <a:t> tends to outperform Random Forest due to its boosting mechanism, although Random Forest still provides valuable insights while being slightly less optimized.</a:t>
+            </a:r>
+          </a:p>
+          <a:p>
+            <a:endParaRPr lang="en-US" dirty="0"/>
+          </a:p>
+        </p:txBody>
+      </p:sp>
+    </p:spTree>
+    <p:extLst>
+      <p:ext uri="{BB962C8B-B14F-4D97-AF65-F5344CB8AC3E}">
+        <p14:creationId xmlns:p14="http://schemas.microsoft.com/office/powerpoint/2010/main" val="1850287170"/>
+      </p:ext>
+    </p:extLst>
+  </p:cSld>
+  <p:clrMapOvr>
+    <a:masterClrMapping/>
+  </p:clrMapOvr>
+</p:sld>
+</file>
+
+<file path=ppt/slides/slide11.xml><?xml version="1.0" encoding="utf-8"?>
+<p:sld xmlns:a="http://schemas.openxmlformats.org/drawingml/2006/main" xmlns:r="http://schemas.openxmlformats.org/officeDocument/2006/relationships" xmlns:p="http://schemas.openxmlformats.org/presentationml/2006/main">
+  <p:cSld>
+    <p:spTree>
+      <p:nvGrpSpPr>
+        <p:cNvPr id="1" name=""/>
+        <p:cNvGrpSpPr/>
+        <p:nvPr/>
+      </p:nvGrpSpPr>
+      <p:grpSpPr>
+        <a:xfrm>
+          <a:off x="0" y="0"/>
+          <a:ext cx="0" cy="0"/>
+          <a:chOff x="0" y="0"/>
+          <a:chExt cx="0" cy="0"/>
+        </a:xfrm>
+      </p:grpSpPr>
+      <p:sp>
+        <p:nvSpPr>
+          <p:cNvPr id="3" name="Content Placeholder 2">
+            <a:extLst>
+              <a:ext uri="{FF2B5EF4-FFF2-40B4-BE49-F238E27FC236}">
+                <a16:creationId xmlns:a16="http://schemas.microsoft.com/office/drawing/2014/main" id="{C88CD3AA-3C69-D563-90FE-AF9E9BFAD913}"/>
+              </a:ext>
+            </a:extLst>
+          </p:cNvPr>
+          <p:cNvSpPr>
+            <a:spLocks noGrp="1"/>
+          </p:cNvSpPr>
+          <p:nvPr>
+            <p:ph idx="1"/>
+          </p:nvPr>
+        </p:nvSpPr>
+        <p:spPr>
+          <a:xfrm>
+            <a:off x="1051987" y="1331259"/>
+            <a:ext cx="6711654" cy="4195481"/>
+          </a:xfrm>
+        </p:spPr>
+        <p:txBody>
+          <a:bodyPr/>
+          <a:lstStyle/>
+          <a:p>
+            <a:pPr algn="ctr"/>
+            <a:endParaRPr lang="en-US" dirty="0"/>
+          </a:p>
+          <a:p>
+            <a:pPr algn="ctr"/>
+            <a:endParaRPr lang="en-US" dirty="0"/>
+          </a:p>
+          <a:p>
+            <a:pPr algn="ctr"/>
+            <a:endParaRPr lang="en-US" dirty="0"/>
+          </a:p>
+          <a:p>
+            <a:pPr algn="ctr"/>
+            <a:r>
+              <a:rPr lang="en-US" sz="4400" dirty="0"/>
+              <a:t>The End</a:t>
+            </a:r>
+          </a:p>
+        </p:txBody>
+      </p:sp>
+    </p:spTree>
+    <p:extLst>
+      <p:ext uri="{BB962C8B-B14F-4D97-AF65-F5344CB8AC3E}">
+        <p14:creationId xmlns:p14="http://schemas.microsoft.com/office/powerpoint/2010/main" val="893172367"/>
+      </p:ext>
+    </p:extLst>
+  </p:cSld>
+  <p:clrMapOvr>
+    <a:masterClrMapping/>
+  </p:clrMapOvr>
+</p:sld>
+</file>
+
 <file path=ppt/slides/slide2.xml><?xml version="1.0" encoding="utf-8"?>
+<p:sld xmlns:a="http://schemas.openxmlformats.org/drawingml/2006/main" xmlns:r="http://schemas.openxmlformats.org/officeDocument/2006/relationships" xmlns:p="http://schemas.openxmlformats.org/presentationml/2006/main">
+  <p:cSld>
+    <p:spTree>
+      <p:nvGrpSpPr>
+        <p:cNvPr id="1" name=""/>
+        <p:cNvGrpSpPr/>
+        <p:nvPr/>
+      </p:nvGrpSpPr>
+      <p:grpSpPr>
+        <a:xfrm>
+          <a:off x="0" y="0"/>
+          <a:ext cx="0" cy="0"/>
+          <a:chOff x="0" y="0"/>
+          <a:chExt cx="0" cy="0"/>
+        </a:xfrm>
+      </p:grpSpPr>
+      <p:sp>
+        <p:nvSpPr>
+          <p:cNvPr id="2" name="Title 1">
+            <a:extLst>
+              <a:ext uri="{FF2B5EF4-FFF2-40B4-BE49-F238E27FC236}">
+                <a16:creationId xmlns:a16="http://schemas.microsoft.com/office/drawing/2014/main" id="{C77EEC9F-376F-AEAE-A133-70BAA1116FD4}"/>
+              </a:ext>
+            </a:extLst>
+          </p:cNvPr>
+          <p:cNvSpPr>
+            <a:spLocks noGrp="1"/>
+          </p:cNvSpPr>
+          <p:nvPr>
+            <p:ph type="title"/>
+          </p:nvPr>
+        </p:nvSpPr>
+        <p:spPr/>
+        <p:txBody>
+          <a:bodyPr/>
+          <a:lstStyle/>
+          <a:p>
+            <a:r>
+              <a:rPr lang="en-US" dirty="0"/>
+              <a:t>Problem Statement</a:t>
+            </a:r>
+          </a:p>
+        </p:txBody>
+      </p:sp>
+      <p:sp>
+        <p:nvSpPr>
+          <p:cNvPr id="3" name="Content Placeholder 2">
+            <a:extLst>
+              <a:ext uri="{FF2B5EF4-FFF2-40B4-BE49-F238E27FC236}">
+                <a16:creationId xmlns:a16="http://schemas.microsoft.com/office/drawing/2014/main" id="{50232AB2-43CC-1688-2541-370FC8FEAA40}"/>
+              </a:ext>
+            </a:extLst>
+          </p:cNvPr>
+          <p:cNvSpPr>
+            <a:spLocks noGrp="1"/>
+          </p:cNvSpPr>
+          <p:nvPr>
+            <p:ph idx="1"/>
+          </p:nvPr>
+        </p:nvSpPr>
+        <p:spPr>
+          <a:xfrm>
+            <a:off x="484710" y="1328469"/>
+            <a:ext cx="7054644" cy="4919938"/>
+          </a:xfrm>
+        </p:spPr>
+        <p:txBody>
+          <a:bodyPr>
+            <a:normAutofit fontScale="92500" lnSpcReduction="10000"/>
+          </a:bodyPr>
+          <a:lstStyle/>
+          <a:p>
+            <a:pPr marL="0" marR="0">
+              <a:lnSpc>
+                <a:spcPct val="115000"/>
+              </a:lnSpc>
+              <a:spcAft>
+                <a:spcPts val="800"/>
+              </a:spcAft>
+              <a:buNone/>
+            </a:pPr>
+            <a:r>
+              <a:rPr lang="en-US" sz="1800" b="1" kern="100" dirty="0">
+                <a:effectLst/>
+                <a:latin typeface="Aptos" panose="020B0004020202020204" pitchFamily="34" charset="0"/>
+                <a:ea typeface="Aptos" panose="020B0004020202020204" pitchFamily="34" charset="0"/>
+                <a:cs typeface="Times New Roman" panose="02020603050405020304" pitchFamily="18" charset="0"/>
+              </a:rPr>
+              <a:t>Banking Marketing Analysis</a:t>
+            </a:r>
+            <a:endParaRPr lang="en-US" sz="1800" kern="100" dirty="0">
+              <a:effectLst/>
+              <a:latin typeface="Aptos" panose="020B0004020202020204" pitchFamily="34" charset="0"/>
+              <a:ea typeface="Aptos" panose="020B0004020202020204" pitchFamily="34" charset="0"/>
+              <a:cs typeface="Times New Roman" panose="02020603050405020304" pitchFamily="18" charset="0"/>
+            </a:endParaRPr>
+          </a:p>
+          <a:p>
+            <a:pPr marL="0" marR="0">
+              <a:lnSpc>
+                <a:spcPct val="115000"/>
+              </a:lnSpc>
+              <a:spcAft>
+                <a:spcPts val="800"/>
+              </a:spcAft>
+              <a:buNone/>
+            </a:pPr>
+            <a:r>
+              <a:rPr lang="en-US" sz="1800" b="1" kern="100" dirty="0">
+                <a:effectLst/>
+                <a:latin typeface="Aptos" panose="020B0004020202020204" pitchFamily="34" charset="0"/>
+                <a:ea typeface="Aptos" panose="020B0004020202020204" pitchFamily="34" charset="0"/>
+                <a:cs typeface="Times New Roman" panose="02020603050405020304" pitchFamily="18" charset="0"/>
+              </a:rPr>
+              <a:t>Project Overview</a:t>
+            </a:r>
+            <a:endParaRPr lang="en-US" sz="1800" kern="100" dirty="0">
+              <a:effectLst/>
+              <a:latin typeface="Aptos" panose="020B0004020202020204" pitchFamily="34" charset="0"/>
+              <a:ea typeface="Aptos" panose="020B0004020202020204" pitchFamily="34" charset="0"/>
+              <a:cs typeface="Times New Roman" panose="02020603050405020304" pitchFamily="18" charset="0"/>
+            </a:endParaRPr>
+          </a:p>
+          <a:p>
+            <a:pPr marL="0" marR="0">
+              <a:lnSpc>
+                <a:spcPct val="115000"/>
+              </a:lnSpc>
+              <a:spcAft>
+                <a:spcPts val="800"/>
+              </a:spcAft>
+              <a:buNone/>
+            </a:pPr>
+            <a:r>
+              <a:rPr lang="en-US" sz="1800" kern="100" dirty="0">
+                <a:effectLst/>
+                <a:latin typeface="Aptos" panose="020B0004020202020204" pitchFamily="34" charset="0"/>
+                <a:ea typeface="Aptos" panose="020B0004020202020204" pitchFamily="34" charset="0"/>
+                <a:cs typeface="Times New Roman" panose="02020603050405020304" pitchFamily="18" charset="0"/>
+              </a:rPr>
+              <a:t>This project focuses on predicting whether a client will subscribe to a term deposit based on various demographic and marketing-related features. The dataset comes from a bank's marketing campaign, where the target variable is whether or not the client subscribed to a term deposit (y). The goal is to build a machine learning model to predict this outcome using a variety of features such as the client's age, job, education, and past marketing interactions.</a:t>
+            </a:r>
+          </a:p>
+          <a:p>
+            <a:pPr marL="0" marR="0">
+              <a:lnSpc>
+                <a:spcPct val="115000"/>
+              </a:lnSpc>
+              <a:spcAft>
+                <a:spcPts val="800"/>
+              </a:spcAft>
+              <a:buNone/>
+            </a:pPr>
+            <a:r>
+              <a:rPr lang="en-US" sz="1800" b="1" kern="100" dirty="0">
+                <a:effectLst/>
+                <a:latin typeface="Aptos" panose="020B0004020202020204" pitchFamily="34" charset="0"/>
+                <a:ea typeface="Aptos" panose="020B0004020202020204" pitchFamily="34" charset="0"/>
+                <a:cs typeface="Times New Roman" panose="02020603050405020304" pitchFamily="18" charset="0"/>
+              </a:rPr>
+              <a:t>Problem:</a:t>
+            </a:r>
+            <a:endParaRPr lang="en-US" sz="1800" kern="100" dirty="0">
+              <a:effectLst/>
+              <a:latin typeface="Aptos" panose="020B0004020202020204" pitchFamily="34" charset="0"/>
+              <a:ea typeface="Aptos" panose="020B0004020202020204" pitchFamily="34" charset="0"/>
+              <a:cs typeface="Times New Roman" panose="02020603050405020304" pitchFamily="18" charset="0"/>
+            </a:endParaRPr>
+          </a:p>
+          <a:p>
+            <a:pPr marL="0" marR="0">
+              <a:lnSpc>
+                <a:spcPct val="115000"/>
+              </a:lnSpc>
+              <a:spcAft>
+                <a:spcPts val="800"/>
+              </a:spcAft>
+            </a:pPr>
+            <a:r>
+              <a:rPr lang="en-US" sz="1800" kern="100" dirty="0">
+                <a:effectLst/>
+                <a:latin typeface="Aptos" panose="020B0004020202020204" pitchFamily="34" charset="0"/>
+                <a:ea typeface="Aptos" panose="020B0004020202020204" pitchFamily="34" charset="0"/>
+                <a:cs typeface="Times New Roman" panose="02020603050405020304" pitchFamily="18" charset="0"/>
+              </a:rPr>
+              <a:t>The banking industry faces the challenge of efficiently targeting customers with relevant offers. By predicting whether a client will subscribe to a term deposit, banks can optimize their marketing campaigns, resulting in better targeting and increased subscription rates.</a:t>
+            </a:r>
+          </a:p>
+          <a:p>
+            <a:endParaRPr lang="en-US" dirty="0"/>
+          </a:p>
+        </p:txBody>
+      </p:sp>
+    </p:spTree>
+    <p:extLst>
+      <p:ext uri="{BB962C8B-B14F-4D97-AF65-F5344CB8AC3E}">
+        <p14:creationId xmlns:p14="http://schemas.microsoft.com/office/powerpoint/2010/main" val="796427050"/>
+      </p:ext>
+    </p:extLst>
+  </p:cSld>
+  <p:clrMapOvr>
+    <a:masterClrMapping/>
+  </p:clrMapOvr>
+</p:sld>
+</file>
+
+<file path=ppt/slides/slide3.xml><?xml version="1.0" encoding="utf-8"?>
 <p:sld xmlns:a="http://schemas.openxmlformats.org/drawingml/2006/main" xmlns:r="http://schemas.openxmlformats.org/officeDocument/2006/relationships" xmlns:p="http://schemas.openxmlformats.org/presentationml/2006/main">
   <p:cSld>
     <p:bg>
@@ -12914,7 +13375,7 @@
 </p:sld>
 </file>
 
-<file path=ppt/slides/slide3.xml><?xml version="1.0" encoding="utf-8"?>
+<file path=ppt/slides/slide4.xml><?xml version="1.0" encoding="utf-8"?>
 <p:sld xmlns:a="http://schemas.openxmlformats.org/drawingml/2006/main" xmlns:r="http://schemas.openxmlformats.org/officeDocument/2006/relationships" xmlns:p="http://schemas.openxmlformats.org/presentationml/2006/main">
   <p:cSld>
     <p:bg>
@@ -13975,7 +14436,7 @@
 </p:sld>
 </file>
 
-<file path=ppt/slides/slide4.xml><?xml version="1.0" encoding="utf-8"?>
+<file path=ppt/slides/slide5.xml><?xml version="1.0" encoding="utf-8"?>
 <p:sld xmlns:a="http://schemas.openxmlformats.org/drawingml/2006/main" xmlns:r="http://schemas.openxmlformats.org/officeDocument/2006/relationships" xmlns:p="http://schemas.openxmlformats.org/presentationml/2006/main">
   <p:cSld>
     <p:bg>
@@ -15036,7 +15497,7 @@
 </p:sld>
 </file>
 
-<file path=ppt/slides/slide5.xml><?xml version="1.0" encoding="utf-8"?>
+<file path=ppt/slides/slide6.xml><?xml version="1.0" encoding="utf-8"?>
 <p:sld xmlns:a="http://schemas.openxmlformats.org/drawingml/2006/main" xmlns:r="http://schemas.openxmlformats.org/officeDocument/2006/relationships" xmlns:p="http://schemas.openxmlformats.org/presentationml/2006/main">
   <p:cSld>
     <p:bg>
@@ -15806,7 +16267,7 @@
 </p:sld>
 </file>
 
-<file path=ppt/slides/slide6.xml><?xml version="1.0" encoding="utf-8"?>
+<file path=ppt/slides/slide7.xml><?xml version="1.0" encoding="utf-8"?>
 <p:sld xmlns:a="http://schemas.openxmlformats.org/drawingml/2006/main" xmlns:r="http://schemas.openxmlformats.org/officeDocument/2006/relationships" xmlns:p="http://schemas.openxmlformats.org/presentationml/2006/main">
   <p:cSld>
     <p:bg>
@@ -16861,7 +17322,7 @@
 </p:sld>
 </file>
 
-<file path=ppt/slides/slide7.xml><?xml version="1.0" encoding="utf-8"?>
+<file path=ppt/slides/slide8.xml><?xml version="1.0" encoding="utf-8"?>
 <p:sld xmlns:a="http://schemas.openxmlformats.org/drawingml/2006/main" xmlns:r="http://schemas.openxmlformats.org/officeDocument/2006/relationships" xmlns:p="http://schemas.openxmlformats.org/presentationml/2006/main">
   <p:cSld>
     <p:spTree>
@@ -17800,7 +18261,7 @@
 </p:sld>
 </file>
 
-<file path=ppt/slides/slide8.xml><?xml version="1.0" encoding="utf-8"?>
+<file path=ppt/slides/slide9.xml><?xml version="1.0" encoding="utf-8"?>
 <p:sld xmlns:a="http://schemas.openxmlformats.org/drawingml/2006/main" xmlns:r="http://schemas.openxmlformats.org/officeDocument/2006/relationships" xmlns:p="http://schemas.openxmlformats.org/presentationml/2006/main">
   <p:cSld>
     <p:spTree>
@@ -18082,82 +18543,6 @@
     <p:extLst>
       <p:ext uri="{BB962C8B-B14F-4D97-AF65-F5344CB8AC3E}">
         <p14:creationId xmlns:p14="http://schemas.microsoft.com/office/powerpoint/2010/main" val="3993998734"/>
-      </p:ext>
-    </p:extLst>
-  </p:cSld>
-  <p:clrMapOvr>
-    <a:masterClrMapping/>
-  </p:clrMapOvr>
-</p:sld>
-</file>
-
-<file path=ppt/slides/slide9.xml><?xml version="1.0" encoding="utf-8"?>
-<p:sld xmlns:a="http://schemas.openxmlformats.org/drawingml/2006/main" xmlns:r="http://schemas.openxmlformats.org/officeDocument/2006/relationships" xmlns:p="http://schemas.openxmlformats.org/presentationml/2006/main">
-  <p:cSld>
-    <p:spTree>
-      <p:nvGrpSpPr>
-        <p:cNvPr id="1" name=""/>
-        <p:cNvGrpSpPr/>
-        <p:nvPr/>
-      </p:nvGrpSpPr>
-      <p:grpSpPr>
-        <a:xfrm>
-          <a:off x="0" y="0"/>
-          <a:ext cx="0" cy="0"/>
-          <a:chOff x="0" y="0"/>
-          <a:chExt cx="0" cy="0"/>
-        </a:xfrm>
-      </p:grpSpPr>
-      <p:sp>
-        <p:nvSpPr>
-          <p:cNvPr id="3" name="Content Placeholder 2">
-            <a:extLst>
-              <a:ext uri="{FF2B5EF4-FFF2-40B4-BE49-F238E27FC236}">
-                <a16:creationId xmlns:a16="http://schemas.microsoft.com/office/drawing/2014/main" id="{C88CD3AA-3C69-D563-90FE-AF9E9BFAD913}"/>
-              </a:ext>
-            </a:extLst>
-          </p:cNvPr>
-          <p:cNvSpPr>
-            <a:spLocks noGrp="1"/>
-          </p:cNvSpPr>
-          <p:nvPr>
-            <p:ph idx="1"/>
-          </p:nvPr>
-        </p:nvSpPr>
-        <p:spPr>
-          <a:xfrm>
-            <a:off x="1051987" y="1331259"/>
-            <a:ext cx="6711654" cy="4195481"/>
-          </a:xfrm>
-        </p:spPr>
-        <p:txBody>
-          <a:bodyPr/>
-          <a:lstStyle/>
-          <a:p>
-            <a:pPr algn="ctr"/>
-            <a:endParaRPr lang="en-US" dirty="0"/>
-          </a:p>
-          <a:p>
-            <a:pPr algn="ctr"/>
-            <a:endParaRPr lang="en-US" dirty="0"/>
-          </a:p>
-          <a:p>
-            <a:pPr algn="ctr"/>
-            <a:endParaRPr lang="en-US" dirty="0"/>
-          </a:p>
-          <a:p>
-            <a:pPr algn="ctr"/>
-            <a:r>
-              <a:rPr lang="en-US" sz="4400" dirty="0"/>
-              <a:t>The End</a:t>
-            </a:r>
-          </a:p>
-        </p:txBody>
-      </p:sp>
-    </p:spTree>
-    <p:extLst>
-      <p:ext uri="{BB962C8B-B14F-4D97-AF65-F5344CB8AC3E}">
-        <p14:creationId xmlns:p14="http://schemas.microsoft.com/office/powerpoint/2010/main" val="893172367"/>
       </p:ext>
     </p:extLst>
   </p:cSld>
